--- a/reports/week-2.pptx
+++ b/reports/week-2.pptx
@@ -272,7 +272,7 @@
           <a:p>
             <a:fld id="{C13FBCF6-97A0-4024-9E89-2567FE0DCFCF}" type="datetimeFigureOut">
               <a:rPr lang="en-IN" smtClean="0"/>
-              <a:t>12-06-2021</a:t>
+              <a:t>05-07-2021</a:t>
             </a:fld>
             <a:endParaRPr lang="en-IN"/>
           </a:p>
@@ -472,7 +472,7 @@
           <a:p>
             <a:fld id="{C13FBCF6-97A0-4024-9E89-2567FE0DCFCF}" type="datetimeFigureOut">
               <a:rPr lang="en-IN" smtClean="0"/>
-              <a:t>12-06-2021</a:t>
+              <a:t>05-07-2021</a:t>
             </a:fld>
             <a:endParaRPr lang="en-IN"/>
           </a:p>
@@ -682,7 +682,7 @@
           <a:p>
             <a:fld id="{C13FBCF6-97A0-4024-9E89-2567FE0DCFCF}" type="datetimeFigureOut">
               <a:rPr lang="en-IN" smtClean="0"/>
-              <a:t>12-06-2021</a:t>
+              <a:t>05-07-2021</a:t>
             </a:fld>
             <a:endParaRPr lang="en-IN"/>
           </a:p>
@@ -882,7 +882,7 @@
           <a:p>
             <a:fld id="{C13FBCF6-97A0-4024-9E89-2567FE0DCFCF}" type="datetimeFigureOut">
               <a:rPr lang="en-IN" smtClean="0"/>
-              <a:t>12-06-2021</a:t>
+              <a:t>05-07-2021</a:t>
             </a:fld>
             <a:endParaRPr lang="en-IN"/>
           </a:p>
@@ -1158,7 +1158,7 @@
           <a:p>
             <a:fld id="{C13FBCF6-97A0-4024-9E89-2567FE0DCFCF}" type="datetimeFigureOut">
               <a:rPr lang="en-IN" smtClean="0"/>
-              <a:t>12-06-2021</a:t>
+              <a:t>05-07-2021</a:t>
             </a:fld>
             <a:endParaRPr lang="en-IN"/>
           </a:p>
@@ -1426,7 +1426,7 @@
           <a:p>
             <a:fld id="{C13FBCF6-97A0-4024-9E89-2567FE0DCFCF}" type="datetimeFigureOut">
               <a:rPr lang="en-IN" smtClean="0"/>
-              <a:t>12-06-2021</a:t>
+              <a:t>05-07-2021</a:t>
             </a:fld>
             <a:endParaRPr lang="en-IN"/>
           </a:p>
@@ -1841,7 +1841,7 @@
           <a:p>
             <a:fld id="{C13FBCF6-97A0-4024-9E89-2567FE0DCFCF}" type="datetimeFigureOut">
               <a:rPr lang="en-IN" smtClean="0"/>
-              <a:t>12-06-2021</a:t>
+              <a:t>05-07-2021</a:t>
             </a:fld>
             <a:endParaRPr lang="en-IN"/>
           </a:p>
@@ -1983,7 +1983,7 @@
           <a:p>
             <a:fld id="{C13FBCF6-97A0-4024-9E89-2567FE0DCFCF}" type="datetimeFigureOut">
               <a:rPr lang="en-IN" smtClean="0"/>
-              <a:t>12-06-2021</a:t>
+              <a:t>05-07-2021</a:t>
             </a:fld>
             <a:endParaRPr lang="en-IN"/>
           </a:p>
@@ -2096,7 +2096,7 @@
           <a:p>
             <a:fld id="{C13FBCF6-97A0-4024-9E89-2567FE0DCFCF}" type="datetimeFigureOut">
               <a:rPr lang="en-IN" smtClean="0"/>
-              <a:t>12-06-2021</a:t>
+              <a:t>05-07-2021</a:t>
             </a:fld>
             <a:endParaRPr lang="en-IN"/>
           </a:p>
@@ -2409,7 +2409,7 @@
           <a:p>
             <a:fld id="{C13FBCF6-97A0-4024-9E89-2567FE0DCFCF}" type="datetimeFigureOut">
               <a:rPr lang="en-IN" smtClean="0"/>
-              <a:t>12-06-2021</a:t>
+              <a:t>05-07-2021</a:t>
             </a:fld>
             <a:endParaRPr lang="en-IN"/>
           </a:p>
@@ -2698,7 +2698,7 @@
           <a:p>
             <a:fld id="{C13FBCF6-97A0-4024-9E89-2567FE0DCFCF}" type="datetimeFigureOut">
               <a:rPr lang="en-IN" smtClean="0"/>
-              <a:t>12-06-2021</a:t>
+              <a:t>05-07-2021</a:t>
             </a:fld>
             <a:endParaRPr lang="en-IN"/>
           </a:p>
@@ -2941,7 +2941,7 @@
           <a:p>
             <a:fld id="{C13FBCF6-97A0-4024-9E89-2567FE0DCFCF}" type="datetimeFigureOut">
               <a:rPr lang="en-IN" smtClean="0"/>
-              <a:t>12-06-2021</a:t>
+              <a:t>05-07-2021</a:t>
             </a:fld>
             <a:endParaRPr lang="en-IN"/>
           </a:p>
@@ -4231,7 +4231,7 @@
         </p:blipFill>
         <p:spPr bwMode="auto">
           <a:xfrm>
-            <a:off x="3038857" y="1690688"/>
+            <a:off x="2603851" y="2072428"/>
             <a:ext cx="6114286" cy="3428571"/>
           </a:xfrm>
           <a:prstGeom prst="rect">
